--- a/inst/extdata/base_ppt.pptx
+++ b/inst/extdata/base_ppt.pptx
@@ -261,9 +261,9 @@
           <a:p>
             <a:fld id="{F3440DB4-AFEB-4FF3-B76F-0141E6FE99AB}" type="datetimeFigureOut">
               <a:rPr lang="en-AU" smtClean="0"/>
-              <a:t>4/09/2020</a:t>
+              <a:t>12/09/2020</a:t>
             </a:fld>
-            <a:endParaRPr lang="en-AU"/>
+            <a:endParaRPr lang="en-AU" dirty="0"/>
           </a:p>
         </p:txBody>
       </p:sp>
@@ -398,8 +398,8 @@
         </p:nvSpPr>
         <p:spPr>
           <a:xfrm>
-            <a:off x="1087581" y="1878674"/>
-            <a:ext cx="10080000" cy="4320000"/>
+            <a:off x="788323" y="1878674"/>
+            <a:ext cx="10800000" cy="4320000"/>
           </a:xfrm>
         </p:spPr>
         <p:txBody>
@@ -473,11 +473,14 @@
                 <a:solidFill>
                   <a:schemeClr val="tx1"/>
                 </a:solidFill>
+                <a:latin typeface="Trebuchet MS" panose="020B0603020202020204" pitchFamily="34" charset="0"/>
               </a:defRPr>
             </a:lvl1pPr>
           </a:lstStyle>
           <a:p>
-            <a:endParaRPr lang="en-AU" dirty="0"/>
+            <a:endParaRPr lang="en-AU" dirty="0">
+              <a:latin typeface="Trebuchet MS" panose="020B0603020202020204" pitchFamily="34" charset="0"/>
+            </a:endParaRPr>
           </a:p>
         </p:txBody>
       </p:sp>
@@ -495,6 +498,326 @@
 </file>
 
 <file path=ppt/slideLayouts/slideLayout3.xml><?xml version="1.0" encoding="utf-8"?>
+<p:sldLayout xmlns:a="http://schemas.openxmlformats.org/drawingml/2006/main" xmlns:r="http://schemas.openxmlformats.org/officeDocument/2006/relationships" xmlns:p="http://schemas.openxmlformats.org/presentationml/2006/main" type="obj" preserve="1">
+  <p:cSld name="large slide">
+    <p:spTree>
+      <p:nvGrpSpPr>
+        <p:cNvPr id="1" name=""/>
+        <p:cNvGrpSpPr/>
+        <p:nvPr/>
+      </p:nvGrpSpPr>
+      <p:grpSpPr>
+        <a:xfrm>
+          <a:off x="0" y="0"/>
+          <a:ext cx="0" cy="0"/>
+          <a:chOff x="0" y="0"/>
+          <a:chExt cx="0" cy="0"/>
+        </a:xfrm>
+      </p:grpSpPr>
+      <p:sp>
+        <p:nvSpPr>
+          <p:cNvPr id="2" name="Title 1">
+            <a:extLst>
+              <a:ext uri="{FF2B5EF4-FFF2-40B4-BE49-F238E27FC236}">
+                <a16:creationId xmlns:a16="http://schemas.microsoft.com/office/drawing/2014/main" id="{1CEA45BE-6A17-4064-9DF0-B9F0E8AC312B}"/>
+              </a:ext>
+            </a:extLst>
+          </p:cNvPr>
+          <p:cNvSpPr>
+            <a:spLocks noGrp="1"/>
+          </p:cNvSpPr>
+          <p:nvPr>
+            <p:ph type="title"/>
+          </p:nvPr>
+        </p:nvSpPr>
+        <p:spPr/>
+        <p:txBody>
+          <a:bodyPr/>
+          <a:lstStyle/>
+          <a:p>
+            <a:r>
+              <a:rPr lang="en-US" dirty="0"/>
+              <a:t>Click to edit Master title style</a:t>
+            </a:r>
+            <a:endParaRPr lang="en-AU" dirty="0"/>
+          </a:p>
+        </p:txBody>
+      </p:sp>
+      <p:sp>
+        <p:nvSpPr>
+          <p:cNvPr id="3" name="Content Placeholder 2">
+            <a:extLst>
+              <a:ext uri="{FF2B5EF4-FFF2-40B4-BE49-F238E27FC236}">
+                <a16:creationId xmlns:a16="http://schemas.microsoft.com/office/drawing/2014/main" id="{89A7C7FF-476D-47CB-95A6-DC5ACBC9997F}"/>
+              </a:ext>
+            </a:extLst>
+          </p:cNvPr>
+          <p:cNvSpPr>
+            <a:spLocks noGrp="1"/>
+          </p:cNvSpPr>
+          <p:nvPr>
+            <p:ph idx="1"/>
+          </p:nvPr>
+        </p:nvSpPr>
+        <p:spPr>
+          <a:xfrm>
+            <a:off x="1819101" y="1878674"/>
+            <a:ext cx="8640000" cy="4320000"/>
+          </a:xfrm>
+        </p:spPr>
+        <p:txBody>
+          <a:bodyPr/>
+          <a:lstStyle/>
+          <a:p>
+            <a:pPr lvl="0"/>
+            <a:r>
+              <a:rPr lang="en-US" dirty="0"/>
+              <a:t>Click to edit Master text styles</a:t>
+            </a:r>
+          </a:p>
+          <a:p>
+            <a:pPr lvl="1"/>
+            <a:r>
+              <a:rPr lang="en-US" dirty="0"/>
+              <a:t>Second level</a:t>
+            </a:r>
+          </a:p>
+          <a:p>
+            <a:pPr lvl="2"/>
+            <a:r>
+              <a:rPr lang="en-US" dirty="0"/>
+              <a:t>Third level</a:t>
+            </a:r>
+          </a:p>
+          <a:p>
+            <a:pPr lvl="3"/>
+            <a:r>
+              <a:rPr lang="en-US" dirty="0"/>
+              <a:t>Fourth level</a:t>
+            </a:r>
+          </a:p>
+          <a:p>
+            <a:pPr lvl="4"/>
+            <a:r>
+              <a:rPr lang="en-US" dirty="0"/>
+              <a:t>Fifth level</a:t>
+            </a:r>
+            <a:endParaRPr lang="en-AU" dirty="0"/>
+          </a:p>
+        </p:txBody>
+      </p:sp>
+      <p:sp>
+        <p:nvSpPr>
+          <p:cNvPr id="5" name="Footer Placeholder 4">
+            <a:extLst>
+              <a:ext uri="{FF2B5EF4-FFF2-40B4-BE49-F238E27FC236}">
+                <a16:creationId xmlns:a16="http://schemas.microsoft.com/office/drawing/2014/main" id="{55E8C6AE-9FFB-4DCF-8300-0CA285D7B515}"/>
+              </a:ext>
+            </a:extLst>
+          </p:cNvPr>
+          <p:cNvSpPr>
+            <a:spLocks noGrp="1"/>
+          </p:cNvSpPr>
+          <p:nvPr>
+            <p:ph type="ftr" sz="quarter" idx="11"/>
+          </p:nvPr>
+        </p:nvSpPr>
+        <p:spPr>
+          <a:xfrm>
+            <a:off x="838200" y="6356350"/>
+            <a:ext cx="10515600" cy="365125"/>
+          </a:xfrm>
+        </p:spPr>
+        <p:txBody>
+          <a:bodyPr/>
+          <a:lstStyle>
+            <a:lvl1pPr algn="l">
+              <a:defRPr>
+                <a:solidFill>
+                  <a:schemeClr val="tx1"/>
+                </a:solidFill>
+              </a:defRPr>
+            </a:lvl1pPr>
+          </a:lstStyle>
+          <a:p>
+            <a:endParaRPr lang="en-AU" dirty="0"/>
+          </a:p>
+        </p:txBody>
+      </p:sp>
+    </p:spTree>
+    <p:extLst>
+      <p:ext uri="{BB962C8B-B14F-4D97-AF65-F5344CB8AC3E}">
+        <p14:creationId xmlns:p14="http://schemas.microsoft.com/office/powerpoint/2010/main" val="754548833"/>
+      </p:ext>
+    </p:extLst>
+  </p:cSld>
+  <p:clrMapOvr>
+    <a:masterClrMapping/>
+  </p:clrMapOvr>
+</p:sldLayout>
+</file>
+
+<file path=ppt/slideLayouts/slideLayout4.xml><?xml version="1.0" encoding="utf-8"?>
+<p:sldLayout xmlns:a="http://schemas.openxmlformats.org/drawingml/2006/main" xmlns:r="http://schemas.openxmlformats.org/officeDocument/2006/relationships" xmlns:p="http://schemas.openxmlformats.org/presentationml/2006/main" type="obj" preserve="1">
+  <p:cSld name="two third slide">
+    <p:spTree>
+      <p:nvGrpSpPr>
+        <p:cNvPr id="1" name=""/>
+        <p:cNvGrpSpPr/>
+        <p:nvPr/>
+      </p:nvGrpSpPr>
+      <p:grpSpPr>
+        <a:xfrm>
+          <a:off x="0" y="0"/>
+          <a:ext cx="0" cy="0"/>
+          <a:chOff x="0" y="0"/>
+          <a:chExt cx="0" cy="0"/>
+        </a:xfrm>
+      </p:grpSpPr>
+      <p:sp>
+        <p:nvSpPr>
+          <p:cNvPr id="2" name="Title 1">
+            <a:extLst>
+              <a:ext uri="{FF2B5EF4-FFF2-40B4-BE49-F238E27FC236}">
+                <a16:creationId xmlns:a16="http://schemas.microsoft.com/office/drawing/2014/main" id="{1CEA45BE-6A17-4064-9DF0-B9F0E8AC312B}"/>
+              </a:ext>
+            </a:extLst>
+          </p:cNvPr>
+          <p:cNvSpPr>
+            <a:spLocks noGrp="1"/>
+          </p:cNvSpPr>
+          <p:nvPr>
+            <p:ph type="title"/>
+          </p:nvPr>
+        </p:nvSpPr>
+        <p:spPr/>
+        <p:txBody>
+          <a:bodyPr/>
+          <a:lstStyle/>
+          <a:p>
+            <a:r>
+              <a:rPr lang="en-US" dirty="0"/>
+              <a:t>Click to edit Master title style</a:t>
+            </a:r>
+            <a:endParaRPr lang="en-AU" dirty="0"/>
+          </a:p>
+        </p:txBody>
+      </p:sp>
+      <p:sp>
+        <p:nvSpPr>
+          <p:cNvPr id="3" name="Content Placeholder 2">
+            <a:extLst>
+              <a:ext uri="{FF2B5EF4-FFF2-40B4-BE49-F238E27FC236}">
+                <a16:creationId xmlns:a16="http://schemas.microsoft.com/office/drawing/2014/main" id="{89A7C7FF-476D-47CB-95A6-DC5ACBC9997F}"/>
+              </a:ext>
+            </a:extLst>
+          </p:cNvPr>
+          <p:cNvSpPr>
+            <a:spLocks noGrp="1"/>
+          </p:cNvSpPr>
+          <p:nvPr>
+            <p:ph idx="1"/>
+          </p:nvPr>
+        </p:nvSpPr>
+        <p:spPr>
+          <a:xfrm>
+            <a:off x="2392678" y="1878674"/>
+            <a:ext cx="6480000" cy="4320000"/>
+          </a:xfrm>
+        </p:spPr>
+        <p:txBody>
+          <a:bodyPr/>
+          <a:lstStyle/>
+          <a:p>
+            <a:pPr lvl="0"/>
+            <a:r>
+              <a:rPr lang="en-US" dirty="0"/>
+              <a:t>Click to edit Master text styles</a:t>
+            </a:r>
+          </a:p>
+          <a:p>
+            <a:pPr lvl="1"/>
+            <a:r>
+              <a:rPr lang="en-US" dirty="0"/>
+              <a:t>Second level</a:t>
+            </a:r>
+          </a:p>
+          <a:p>
+            <a:pPr lvl="2"/>
+            <a:r>
+              <a:rPr lang="en-US" dirty="0"/>
+              <a:t>Third level</a:t>
+            </a:r>
+          </a:p>
+          <a:p>
+            <a:pPr lvl="3"/>
+            <a:r>
+              <a:rPr lang="en-US" dirty="0"/>
+              <a:t>Fourth level</a:t>
+            </a:r>
+          </a:p>
+          <a:p>
+            <a:pPr lvl="4"/>
+            <a:r>
+              <a:rPr lang="en-US" dirty="0"/>
+              <a:t>Fifth level</a:t>
+            </a:r>
+            <a:endParaRPr lang="en-AU" dirty="0"/>
+          </a:p>
+        </p:txBody>
+      </p:sp>
+      <p:sp>
+        <p:nvSpPr>
+          <p:cNvPr id="5" name="Footer Placeholder 4">
+            <a:extLst>
+              <a:ext uri="{FF2B5EF4-FFF2-40B4-BE49-F238E27FC236}">
+                <a16:creationId xmlns:a16="http://schemas.microsoft.com/office/drawing/2014/main" id="{55E8C6AE-9FFB-4DCF-8300-0CA285D7B515}"/>
+              </a:ext>
+            </a:extLst>
+          </p:cNvPr>
+          <p:cNvSpPr>
+            <a:spLocks noGrp="1"/>
+          </p:cNvSpPr>
+          <p:nvPr>
+            <p:ph type="ftr" sz="quarter" idx="11"/>
+          </p:nvPr>
+        </p:nvSpPr>
+        <p:spPr>
+          <a:xfrm>
+            <a:off x="838200" y="6356350"/>
+            <a:ext cx="10515600" cy="365125"/>
+          </a:xfrm>
+        </p:spPr>
+        <p:txBody>
+          <a:bodyPr/>
+          <a:lstStyle>
+            <a:lvl1pPr algn="l">
+              <a:defRPr>
+                <a:solidFill>
+                  <a:schemeClr val="tx1"/>
+                </a:solidFill>
+              </a:defRPr>
+            </a:lvl1pPr>
+          </a:lstStyle>
+          <a:p>
+            <a:endParaRPr lang="en-AU" dirty="0"/>
+          </a:p>
+        </p:txBody>
+      </p:sp>
+    </p:spTree>
+    <p:extLst>
+      <p:ext uri="{BB962C8B-B14F-4D97-AF65-F5344CB8AC3E}">
+        <p14:creationId xmlns:p14="http://schemas.microsoft.com/office/powerpoint/2010/main" val="3606208268"/>
+      </p:ext>
+    </p:extLst>
+  </p:cSld>
+  <p:clrMapOvr>
+    <a:masterClrMapping/>
+  </p:clrMapOvr>
+</p:sldLayout>
+</file>
+
+<file path=ppt/slideLayouts/slideLayout5.xml><?xml version="1.0" encoding="utf-8"?>
 <p:sldLayout xmlns:a="http://schemas.openxmlformats.org/drawingml/2006/main" xmlns:r="http://schemas.openxmlformats.org/officeDocument/2006/relationships" xmlns:p="http://schemas.openxmlformats.org/presentationml/2006/main" preserve="1" userDrawn="1">
   <p:cSld name="half slide">
     <p:spTree>
@@ -558,8 +881,8 @@
         </p:nvSpPr>
         <p:spPr>
           <a:xfrm>
-            <a:off x="838200" y="1825625"/>
-            <a:ext cx="5040000" cy="4351338"/>
+            <a:off x="838200" y="1842251"/>
+            <a:ext cx="5040000" cy="4320000"/>
           </a:xfrm>
         </p:spPr>
         <p:txBody>
@@ -645,6 +968,166 @@
     <p:extLst>
       <p:ext uri="{BB962C8B-B14F-4D97-AF65-F5344CB8AC3E}">
         <p14:creationId xmlns:p14="http://schemas.microsoft.com/office/powerpoint/2010/main" val="2784529921"/>
+      </p:ext>
+    </p:extLst>
+  </p:cSld>
+  <p:clrMapOvr>
+    <a:masterClrMapping/>
+  </p:clrMapOvr>
+</p:sldLayout>
+</file>
+
+<file path=ppt/slideLayouts/slideLayout6.xml><?xml version="1.0" encoding="utf-8"?>
+<p:sldLayout xmlns:a="http://schemas.openxmlformats.org/drawingml/2006/main" xmlns:r="http://schemas.openxmlformats.org/officeDocument/2006/relationships" xmlns:p="http://schemas.openxmlformats.org/presentationml/2006/main" preserve="1" userDrawn="1">
+  <p:cSld name="one third slide">
+    <p:spTree>
+      <p:nvGrpSpPr>
+        <p:cNvPr id="1" name=""/>
+        <p:cNvGrpSpPr/>
+        <p:nvPr/>
+      </p:nvGrpSpPr>
+      <p:grpSpPr>
+        <a:xfrm>
+          <a:off x="0" y="0"/>
+          <a:ext cx="0" cy="0"/>
+          <a:chOff x="0" y="0"/>
+          <a:chExt cx="0" cy="0"/>
+        </a:xfrm>
+      </p:grpSpPr>
+      <p:sp>
+        <p:nvSpPr>
+          <p:cNvPr id="2" name="Title 1">
+            <a:extLst>
+              <a:ext uri="{FF2B5EF4-FFF2-40B4-BE49-F238E27FC236}">
+                <a16:creationId xmlns:a16="http://schemas.microsoft.com/office/drawing/2014/main" id="{A5161A81-B043-4EB9-A966-8FE7F97A2B8E}"/>
+              </a:ext>
+            </a:extLst>
+          </p:cNvPr>
+          <p:cNvSpPr>
+            <a:spLocks noGrp="1"/>
+          </p:cNvSpPr>
+          <p:nvPr>
+            <p:ph type="title"/>
+          </p:nvPr>
+        </p:nvSpPr>
+        <p:spPr/>
+        <p:txBody>
+          <a:bodyPr/>
+          <a:lstStyle/>
+          <a:p>
+            <a:r>
+              <a:rPr lang="en-US"/>
+              <a:t>Click to edit Master title style</a:t>
+            </a:r>
+            <a:endParaRPr lang="en-AU"/>
+          </a:p>
+        </p:txBody>
+      </p:sp>
+      <p:sp>
+        <p:nvSpPr>
+          <p:cNvPr id="3" name="Content Placeholder 2">
+            <a:extLst>
+              <a:ext uri="{FF2B5EF4-FFF2-40B4-BE49-F238E27FC236}">
+                <a16:creationId xmlns:a16="http://schemas.microsoft.com/office/drawing/2014/main" id="{82466DDA-D677-4623-AEA3-BCD5445FC235}"/>
+              </a:ext>
+            </a:extLst>
+          </p:cNvPr>
+          <p:cNvSpPr>
+            <a:spLocks noGrp="1"/>
+          </p:cNvSpPr>
+          <p:nvPr>
+            <p:ph sz="half" idx="1"/>
+          </p:nvPr>
+        </p:nvSpPr>
+        <p:spPr>
+          <a:xfrm>
+            <a:off x="838200" y="1842251"/>
+            <a:ext cx="3960000" cy="4320000"/>
+          </a:xfrm>
+        </p:spPr>
+        <p:txBody>
+          <a:bodyPr/>
+          <a:lstStyle/>
+          <a:p>
+            <a:pPr lvl="0"/>
+            <a:r>
+              <a:rPr lang="en-US"/>
+              <a:t>Click to edit Master text styles</a:t>
+            </a:r>
+          </a:p>
+          <a:p>
+            <a:pPr lvl="1"/>
+            <a:r>
+              <a:rPr lang="en-US"/>
+              <a:t>Second level</a:t>
+            </a:r>
+          </a:p>
+          <a:p>
+            <a:pPr lvl="2"/>
+            <a:r>
+              <a:rPr lang="en-US"/>
+              <a:t>Third level</a:t>
+            </a:r>
+          </a:p>
+          <a:p>
+            <a:pPr lvl="3"/>
+            <a:r>
+              <a:rPr lang="en-US"/>
+              <a:t>Fourth level</a:t>
+            </a:r>
+          </a:p>
+          <a:p>
+            <a:pPr lvl="4"/>
+            <a:r>
+              <a:rPr lang="en-US"/>
+              <a:t>Fifth level</a:t>
+            </a:r>
+            <a:endParaRPr lang="en-AU"/>
+          </a:p>
+        </p:txBody>
+      </p:sp>
+      <p:sp>
+        <p:nvSpPr>
+          <p:cNvPr id="8" name="Footer Placeholder 4">
+            <a:extLst>
+              <a:ext uri="{FF2B5EF4-FFF2-40B4-BE49-F238E27FC236}">
+                <a16:creationId xmlns:a16="http://schemas.microsoft.com/office/drawing/2014/main" id="{87697AD1-72E0-424A-AAA5-C08E18825F05}"/>
+              </a:ext>
+            </a:extLst>
+          </p:cNvPr>
+          <p:cNvSpPr>
+            <a:spLocks noGrp="1"/>
+          </p:cNvSpPr>
+          <p:nvPr>
+            <p:ph type="ftr" sz="quarter" idx="11"/>
+          </p:nvPr>
+        </p:nvSpPr>
+        <p:spPr>
+          <a:xfrm>
+            <a:off x="838200" y="6356350"/>
+            <a:ext cx="10515600" cy="365125"/>
+          </a:xfrm>
+        </p:spPr>
+        <p:txBody>
+          <a:bodyPr/>
+          <a:lstStyle>
+            <a:lvl1pPr algn="l">
+              <a:defRPr>
+                <a:solidFill>
+                  <a:schemeClr val="tx1"/>
+                </a:solidFill>
+              </a:defRPr>
+            </a:lvl1pPr>
+          </a:lstStyle>
+          <a:p>
+            <a:endParaRPr lang="en-AU" dirty="0"/>
+          </a:p>
+        </p:txBody>
+      </p:sp>
+    </p:spTree>
+    <p:extLst>
+      <p:ext uri="{BB962C8B-B14F-4D97-AF65-F5344CB8AC3E}">
+        <p14:creationId xmlns:p14="http://schemas.microsoft.com/office/powerpoint/2010/main" val="2154775067"/>
       </p:ext>
     </p:extLst>
   </p:cSld>
@@ -748,38 +1231,38 @@
           <a:p>
             <a:pPr lvl="0"/>
             <a:r>
-              <a:rPr lang="en-US"/>
+              <a:rPr lang="en-US" dirty="0"/>
               <a:t>Click to edit Master text styles</a:t>
             </a:r>
           </a:p>
           <a:p>
             <a:pPr lvl="1"/>
             <a:r>
-              <a:rPr lang="en-US"/>
+              <a:rPr lang="en-US" dirty="0"/>
               <a:t>Second level</a:t>
             </a:r>
           </a:p>
           <a:p>
             <a:pPr lvl="2"/>
             <a:r>
-              <a:rPr lang="en-US"/>
+              <a:rPr lang="en-US" dirty="0"/>
               <a:t>Third level</a:t>
             </a:r>
           </a:p>
           <a:p>
             <a:pPr lvl="3"/>
             <a:r>
-              <a:rPr lang="en-US"/>
+              <a:rPr lang="en-US" dirty="0"/>
               <a:t>Fourth level</a:t>
             </a:r>
           </a:p>
           <a:p>
             <a:pPr lvl="4"/>
             <a:r>
-              <a:rPr lang="en-US"/>
+              <a:rPr lang="en-US" dirty="0"/>
               <a:t>Fifth level</a:t>
             </a:r>
-            <a:endParaRPr lang="en-AU"/>
+            <a:endParaRPr lang="en-AU" dirty="0"/>
           </a:p>
         </p:txBody>
       </p:sp>
@@ -818,15 +1301,19 @@
                     <a:tint val="75000"/>
                   </a:schemeClr>
                 </a:solidFill>
+                <a:latin typeface="Trebuchet MS" panose="020B0603020202020204" pitchFamily="34" charset="0"/>
               </a:defRPr>
             </a:lvl1pPr>
           </a:lstStyle>
           <a:p>
             <a:fld id="{F3440DB4-AFEB-4FF3-B76F-0141E6FE99AB}" type="datetimeFigureOut">
               <a:rPr lang="en-AU" smtClean="0"/>
-              <a:t>4/09/2020</a:t>
+              <a:pPr/>
+              <a:t>12/09/2020</a:t>
             </a:fld>
-            <a:endParaRPr lang="en-AU"/>
+            <a:endParaRPr lang="en-AU" dirty="0">
+              <a:latin typeface="Trebuchet MS" panose="020B0603020202020204" pitchFamily="34" charset="0"/>
+            </a:endParaRPr>
           </a:p>
         </p:txBody>
       </p:sp>
@@ -865,11 +1352,14 @@
                     <a:tint val="75000"/>
                   </a:schemeClr>
                 </a:solidFill>
+                <a:latin typeface="Trebuchet MS" panose="020B0603020202020204" pitchFamily="34" charset="0"/>
               </a:defRPr>
             </a:lvl1pPr>
           </a:lstStyle>
           <a:p>
-            <a:endParaRPr lang="en-AU"/>
+            <a:endParaRPr lang="en-AU" dirty="0">
+              <a:latin typeface="Trebuchet MS" panose="020B0603020202020204" pitchFamily="34" charset="0"/>
+            </a:endParaRPr>
           </a:p>
         </p:txBody>
       </p:sp>
@@ -916,7 +1406,7 @@
               <a:rPr lang="en-AU" smtClean="0"/>
               <a:t>‹#›</a:t>
             </a:fld>
-            <a:endParaRPr lang="en-AU"/>
+            <a:endParaRPr lang="en-AU" dirty="0"/>
           </a:p>
         </p:txBody>
       </p:sp>
@@ -931,7 +1421,10 @@
   <p:sldLayoutIdLst>
     <p:sldLayoutId id="2147483649" r:id="rId1"/>
     <p:sldLayoutId id="2147483650" r:id="rId2"/>
-    <p:sldLayoutId id="2147483652" r:id="rId3"/>
+    <p:sldLayoutId id="2147483653" r:id="rId3"/>
+    <p:sldLayoutId id="2147483654" r:id="rId4"/>
+    <p:sldLayoutId id="2147483652" r:id="rId5"/>
+    <p:sldLayoutId id="2147483655" r:id="rId6"/>
   </p:sldLayoutIdLst>
   <p:txStyles>
     <p:titleStyle>
@@ -947,7 +1440,7 @@
           <a:solidFill>
             <a:schemeClr val="tx1"/>
           </a:solidFill>
-          <a:latin typeface="+mj-lt"/>
+          <a:latin typeface="Trebuchet MS" panose="020B0603020202020204" pitchFamily="34" charset="0"/>
           <a:ea typeface="+mj-ea"/>
           <a:cs typeface="+mj-cs"/>
         </a:defRPr>
@@ -967,7 +1460,7 @@
           <a:solidFill>
             <a:schemeClr val="tx1"/>
           </a:solidFill>
-          <a:latin typeface="+mn-lt"/>
+          <a:latin typeface="Trebuchet MS" panose="020B0603020202020204" pitchFamily="34" charset="0"/>
           <a:ea typeface="+mn-ea"/>
           <a:cs typeface="+mn-cs"/>
         </a:defRPr>
@@ -985,7 +1478,7 @@
           <a:solidFill>
             <a:schemeClr val="tx1"/>
           </a:solidFill>
-          <a:latin typeface="+mn-lt"/>
+          <a:latin typeface="Trebuchet MS" panose="020B0603020202020204" pitchFamily="34" charset="0"/>
           <a:ea typeface="+mn-ea"/>
           <a:cs typeface="+mn-cs"/>
         </a:defRPr>
@@ -1003,7 +1496,7 @@
           <a:solidFill>
             <a:schemeClr val="tx1"/>
           </a:solidFill>
-          <a:latin typeface="+mn-lt"/>
+          <a:latin typeface="Trebuchet MS" panose="020B0603020202020204" pitchFamily="34" charset="0"/>
           <a:ea typeface="+mn-ea"/>
           <a:cs typeface="+mn-cs"/>
         </a:defRPr>
@@ -1021,7 +1514,7 @@
           <a:solidFill>
             <a:schemeClr val="tx1"/>
           </a:solidFill>
-          <a:latin typeface="+mn-lt"/>
+          <a:latin typeface="Trebuchet MS" panose="020B0603020202020204" pitchFamily="34" charset="0"/>
           <a:ea typeface="+mn-ea"/>
           <a:cs typeface="+mn-cs"/>
         </a:defRPr>
@@ -1039,7 +1532,7 @@
           <a:solidFill>
             <a:schemeClr val="tx1"/>
           </a:solidFill>
-          <a:latin typeface="+mn-lt"/>
+          <a:latin typeface="Trebuchet MS" panose="020B0603020202020204" pitchFamily="34" charset="0"/>
           <a:ea typeface="+mn-ea"/>
           <a:cs typeface="+mn-cs"/>
         </a:defRPr>
